--- a/06レビュー記録/第2回スプリングレトロスペクティブ.pptx
+++ b/06レビュー記録/第2回スプリングレトロスペクティブ.pptx
@@ -3735,50 +3735,50 @@
           </a:p>
           <a:p>
             <a:r>
+              <a:rPr kumimoji="1" lang="ja-JP" altLang="en-US" sz="2000" dirty="0">
+                <a:solidFill>
+                  <a:schemeClr val="tx1"/>
+                </a:solidFill>
+              </a:rPr>
+              <a:t>・デイリースクラムで指示を細かく言って進めて貰う</a:t>
+            </a:r>
+            <a:endParaRPr kumimoji="1" lang="en-US" altLang="ja-JP" sz="2000" dirty="0">
+              <a:solidFill>
+                <a:schemeClr val="tx1"/>
+              </a:solidFill>
+            </a:endParaRPr>
+          </a:p>
+          <a:p>
+            <a:r>
+              <a:rPr lang="ja-JP" altLang="en-US" sz="2000" dirty="0">
+                <a:solidFill>
+                  <a:schemeClr val="tx1"/>
+                </a:solidFill>
+              </a:rPr>
+              <a:t>・話を聞いていたか説明させてそれで判断する</a:t>
+            </a:r>
+            <a:endParaRPr lang="en-US" altLang="ja-JP" sz="2000" dirty="0">
+              <a:solidFill>
+                <a:schemeClr val="tx1"/>
+              </a:solidFill>
+            </a:endParaRPr>
+          </a:p>
+          <a:p>
+            <a:r>
+              <a:rPr kumimoji="1" lang="ja-JP" altLang="en-US" sz="2000" dirty="0">
+                <a:solidFill>
+                  <a:schemeClr val="tx1"/>
+                </a:solidFill>
+              </a:rPr>
+              <a:t>・他の人の振った仕事を</a:t>
+            </a:r>
+            <a:r>
               <a:rPr kumimoji="1" lang="ja-JP" altLang="en-US" sz="2000">
                 <a:solidFill>
                   <a:schemeClr val="tx1"/>
                 </a:solidFill>
               </a:rPr>
-              <a:t>・デイリースクラムで指示</a:t>
-            </a:r>
-            <a:r>
-              <a:rPr kumimoji="1" lang="ja-JP" altLang="en-US" sz="2000" dirty="0">
-                <a:solidFill>
-                  <a:schemeClr val="tx1"/>
-                </a:solidFill>
-              </a:rPr>
-              <a:t>を細かく言って進めて貰う</a:t>
-            </a:r>
-            <a:endParaRPr kumimoji="1" lang="en-US" altLang="ja-JP" sz="2000" dirty="0">
-              <a:solidFill>
-                <a:schemeClr val="tx1"/>
-              </a:solidFill>
-            </a:endParaRPr>
-          </a:p>
-          <a:p>
-            <a:r>
-              <a:rPr lang="ja-JP" altLang="en-US" sz="2000" dirty="0">
-                <a:solidFill>
-                  <a:schemeClr val="tx1"/>
-                </a:solidFill>
-              </a:rPr>
-              <a:t>・</a:t>
-            </a:r>
-            <a:endParaRPr lang="en-US" altLang="ja-JP" sz="2000" dirty="0">
-              <a:solidFill>
-                <a:schemeClr val="tx1"/>
-              </a:solidFill>
-            </a:endParaRPr>
-          </a:p>
-          <a:p>
-            <a:r>
-              <a:rPr kumimoji="1" lang="ja-JP" altLang="en-US" sz="2000" dirty="0">
-                <a:solidFill>
-                  <a:schemeClr val="tx1"/>
-                </a:solidFill>
-              </a:rPr>
-              <a:t>・</a:t>
+              <a:t>終わらせないよう厳しくする</a:t>
             </a:r>
             <a:endParaRPr kumimoji="1" lang="en-US" altLang="ja-JP" sz="2000" dirty="0">
               <a:solidFill>
@@ -4017,6 +4017,36 @@
           </a:p>
           <a:p>
             <a:r>
+              <a:rPr lang="ja-JP" altLang="en-US" sz="2000" dirty="0">
+                <a:solidFill>
+                  <a:schemeClr val="tx1"/>
+                </a:solidFill>
+              </a:rPr>
+              <a:t>→なぜか・指示の内容を把握していない</a:t>
+            </a:r>
+            <a:endParaRPr lang="en-US" altLang="ja-JP" sz="2000" dirty="0">
+              <a:solidFill>
+                <a:schemeClr val="tx1"/>
+              </a:solidFill>
+            </a:endParaRPr>
+          </a:p>
+          <a:p>
+            <a:r>
+              <a:rPr lang="ja-JP" altLang="en-US" sz="2000" dirty="0">
+                <a:solidFill>
+                  <a:schemeClr val="tx1"/>
+                </a:solidFill>
+              </a:rPr>
+              <a:t>→なぜ・やるつもりが元からなく誰かやるだろうと思っているから</a:t>
+            </a:r>
+            <a:endParaRPr lang="en-US" altLang="ja-JP" sz="2000" dirty="0">
+              <a:solidFill>
+                <a:schemeClr val="tx1"/>
+              </a:solidFill>
+            </a:endParaRPr>
+          </a:p>
+          <a:p>
+            <a:r>
               <a:rPr kumimoji="1" lang="ja-JP" altLang="en-US" sz="2000" dirty="0">
                 <a:solidFill>
                   <a:schemeClr val="tx1"/>
@@ -4037,7 +4067,7 @@
                   <a:schemeClr val="tx1"/>
                 </a:solidFill>
               </a:rPr>
-              <a:t>・</a:t>
+              <a:t>・人の話を聞いていない人がいる</a:t>
             </a:r>
             <a:endParaRPr kumimoji="1" lang="ja-JP" altLang="en-US" sz="2400" dirty="0">
               <a:solidFill>
